--- a/slides/flink-handon.pptx
+++ b/slides/flink-handon.pptx
@@ -117,7 +117,7 @@
   </p:defaultTextStyle>
   <p:extLst>
     <p:ext uri="{EFAFB233-063F-42B5-8137-9DF3F51BA10A}">
-      <p15:sldGuideLst xmlns="" xmlns:p15="http://schemas.microsoft.com/office/powerpoint/2012/main">
+      <p15:sldGuideLst xmlns:p15="http://schemas.microsoft.com/office/powerpoint/2012/main" xmlns="">
         <p15:guide id="1" orient="horz" pos="2160">
           <p15:clr>
             <a:srgbClr val="A4A3A4"/>
@@ -4122,11 +4122,7 @@
           <a:p>
             <a:r>
               <a:rPr lang="en-US" dirty="0" smtClean="0"/>
-              <a:t>Hands-on </a:t>
-            </a:r>
-            <a:r>
-              <a:rPr lang="en-US" dirty="0" smtClean="0"/>
-              <a:t>time is also time to take a break</a:t>
+              <a:t>Hands-on time is also time to take a break</a:t>
             </a:r>
           </a:p>
           <a:p>
@@ -4253,11 +4249,7 @@
           <a:p>
             <a:r>
               <a:rPr lang="en-US" dirty="0" smtClean="0"/>
-              <a:t>Setup Dev</a:t>
-            </a:r>
-            <a:r>
-              <a:rPr lang="en-US" dirty="0" smtClean="0"/>
-              <a:t>elopment Environment</a:t>
+              <a:t>Setup Development Environment</a:t>
             </a:r>
             <a:endParaRPr lang="en-US" dirty="0"/>
           </a:p>
@@ -4390,7 +4382,7 @@
         <p:spPr/>
         <p:txBody>
           <a:bodyPr>
-            <a:normAutofit lnSpcReduction="10000"/>
+            <a:normAutofit fontScale="92500" lnSpcReduction="10000"/>
           </a:bodyPr>
           <a:lstStyle/>
           <a:p>
@@ -4403,7 +4395,18 @@
             <a:pPr lvl="1"/>
             <a:r>
               <a:rPr lang="en-US" dirty="0" smtClean="0"/>
-              <a:t>Create a new Flink project</a:t>
+              <a:t>Setup development environment</a:t>
+            </a:r>
+          </a:p>
+          <a:p>
+            <a:pPr lvl="1"/>
+            <a:r>
+              <a:rPr lang="en-US" dirty="0" smtClean="0"/>
+              <a:t>Create </a:t>
+            </a:r>
+            <a:r>
+              <a:rPr lang="en-US" dirty="0" smtClean="0"/>
+              <a:t>a new Flink project</a:t>
             </a:r>
           </a:p>
           <a:p>
@@ -4417,8 +4420,20 @@
             <a:pPr lvl="1"/>
             <a:r>
               <a:rPr lang="en-US" dirty="0" smtClean="0"/>
-              <a:t>Execute &amp; debug a Flink program in your IDE</a:t>
-            </a:r>
+              <a:t>Execute &amp; debug a Flink program in your </a:t>
+            </a:r>
+            <a:r>
+              <a:rPr lang="en-US" dirty="0" smtClean="0"/>
+              <a:t>IDE</a:t>
+            </a:r>
+          </a:p>
+          <a:p>
+            <a:pPr lvl="1"/>
+            <a:r>
+              <a:rPr lang="en-US" dirty="0" smtClean="0"/>
+              <a:t>Start a local Flink instance</a:t>
+            </a:r>
+            <a:endParaRPr lang="en-US" dirty="0" smtClean="0"/>
           </a:p>
           <a:p>
             <a:pPr marL="457200" lvl="1" indent="0">
@@ -4785,22 +4800,6 @@
             </a:r>
             <a:endParaRPr lang="en-US" sz="1800" dirty="0" smtClean="0"/>
           </a:p>
-          <a:p>
-            <a:pPr lvl="1"/>
-            <a:r>
-              <a:rPr lang="en-US" sz="1800" dirty="0" smtClean="0"/>
-              <a:t>VMs have a copy of the raw </a:t>
-            </a:r>
-            <a:r>
-              <a:rPr lang="en-US" sz="1800" dirty="0" err="1" smtClean="0"/>
-              <a:t>Mbox</a:t>
-            </a:r>
-            <a:r>
-              <a:rPr lang="en-US" sz="1800" dirty="0" smtClean="0"/>
-              <a:t> data </a:t>
-            </a:r>
-            <a:endParaRPr lang="en-US" sz="1800" dirty="0"/>
-          </a:p>
         </p:txBody>
       </p:sp>
       <p:sp>
@@ -4895,7 +4894,7 @@
         <p:spPr/>
         <p:txBody>
           <a:bodyPr>
-            <a:normAutofit fontScale="92500"/>
+            <a:normAutofit fontScale="85000" lnSpcReduction="20000"/>
           </a:bodyPr>
           <a:lstStyle/>
           <a:p>
@@ -4907,8 +4906,43 @@
           <a:p>
             <a:pPr lvl="1"/>
             <a:r>
+              <a:rPr lang="en-US" dirty="0" smtClean="0"/>
+              <a:t>Use </a:t>
+            </a:r>
+            <a:r>
+              <a:rPr lang="en-US" dirty="0" err="1" smtClean="0"/>
+              <a:t>quickstart</a:t>
+            </a:r>
+            <a:r>
+              <a:rPr lang="en-US" dirty="0" smtClean="0"/>
+              <a:t> Maven project</a:t>
+            </a:r>
+          </a:p>
+          <a:p>
+            <a:pPr lvl="2"/>
+            <a:r>
+              <a:rPr lang="en-US" dirty="0" smtClean="0"/>
+              <a:t>Template </a:t>
+            </a:r>
+            <a:r>
+              <a:rPr lang="en-US" dirty="0" err="1" smtClean="0"/>
+              <a:t>Job.java</a:t>
+            </a:r>
+            <a:r>
+              <a:rPr lang="en-US" dirty="0" smtClean="0"/>
+              <a:t> </a:t>
+            </a:r>
+            <a:endParaRPr lang="en-US" dirty="0" smtClean="0"/>
+          </a:p>
+          <a:p>
+            <a:pPr lvl="1"/>
+            <a:r>
+              <a:rPr lang="en-US" dirty="0" smtClean="0"/>
+              <a:t>http</a:t>
+            </a:r>
+            <a:r>
               <a:rPr lang="en-US" dirty="0"/>
-              <a:t>http://</a:t>
+              <a:t>://</a:t>
             </a:r>
             <a:r>
               <a:rPr lang="en-US" dirty="0" err="1"/>
@@ -4930,6 +4964,10 @@
               <a:rPr lang="en-US" dirty="0" err="1" smtClean="0"/>
               <a:t>mailCount.html</a:t>
             </a:r>
+            <a:endParaRPr lang="en-US" dirty="0" smtClean="0"/>
+          </a:p>
+          <a:p>
+            <a:pPr lvl="1"/>
             <a:endParaRPr lang="en-US" dirty="0" smtClean="0"/>
           </a:p>
           <a:p>

--- a/slides/flink-handon.pptx
+++ b/slides/flink-handon.pptx
@@ -718,6 +718,36 @@
           <a:xfrm>
             <a:off x="8022838" y="382257"/>
             <a:ext cx="663961" cy="660641"/>
+          </a:xfrm>
+          <a:prstGeom prst="rect">
+            <a:avLst/>
+          </a:prstGeom>
+        </p:spPr>
+      </p:pic>
+      <p:pic>
+        <p:nvPicPr>
+          <p:cNvPr id="7" name="Picture 6" descr="logo.png"/>
+          <p:cNvPicPr>
+            <a:picLocks noChangeAspect="1"/>
+          </p:cNvPicPr>
+          <p:nvPr userDrawn="1"/>
+        </p:nvPicPr>
+        <p:blipFill>
+          <a:blip r:embed="rId4">
+            <a:extLst>
+              <a:ext uri="{28A0092B-C50C-407E-A947-70E740481C1C}">
+                <a14:useLocalDpi xmlns:a14="http://schemas.microsoft.com/office/drawing/2010/main" val="0"/>
+              </a:ext>
+            </a:extLst>
+          </a:blip>
+          <a:stretch>
+            <a:fillRect/>
+          </a:stretch>
+        </p:blipFill>
+        <p:spPr>
+          <a:xfrm>
+            <a:off x="2728719" y="331587"/>
+            <a:ext cx="3695140" cy="577365"/>
           </a:xfrm>
           <a:prstGeom prst="rect">
             <a:avLst/>
@@ -4043,6 +4073,44 @@
           </a:p>
         </p:txBody>
       </p:sp>
+      <p:sp>
+        <p:nvSpPr>
+          <p:cNvPr id="4" name="TextBox 3"/>
+          <p:cNvSpPr txBox="1"/>
+          <p:nvPr/>
+        </p:nvSpPr>
+        <p:spPr>
+          <a:xfrm>
+            <a:off x="3819004" y="6226328"/>
+            <a:ext cx="1564363" cy="369332"/>
+          </a:xfrm>
+          <a:prstGeom prst="rect">
+            <a:avLst/>
+          </a:prstGeom>
+          <a:noFill/>
+        </p:spPr>
+        <p:txBody>
+          <a:bodyPr wrap="none" rtlCol="0">
+            <a:spAutoFit/>
+          </a:bodyPr>
+          <a:lstStyle/>
+          <a:p>
+            <a:r>
+              <a:rPr lang="en-US" dirty="0" smtClean="0">
+                <a:solidFill>
+                  <a:schemeClr val="bg1"/>
+                </a:solidFill>
+              </a:rPr>
+              <a:t>June 3rd, 2015</a:t>
+            </a:r>
+            <a:endParaRPr lang="en-US" dirty="0">
+              <a:solidFill>
+                <a:schemeClr val="bg1"/>
+              </a:solidFill>
+            </a:endParaRPr>
+          </a:p>
+        </p:txBody>
+      </p:sp>
     </p:spTree>
     <p:extLst>
       <p:ext uri="{BB962C8B-B14F-4D97-AF65-F5344CB8AC3E}">
@@ -4402,11 +4470,7 @@
             <a:pPr lvl="1"/>
             <a:r>
               <a:rPr lang="en-US" dirty="0" smtClean="0"/>
-              <a:t>Create </a:t>
-            </a:r>
-            <a:r>
-              <a:rPr lang="en-US" dirty="0" smtClean="0"/>
-              <a:t>a new Flink project</a:t>
+              <a:t>Create a new Flink project</a:t>
             </a:r>
           </a:p>
           <a:p>
@@ -4420,11 +4484,7 @@
             <a:pPr lvl="1"/>
             <a:r>
               <a:rPr lang="en-US" dirty="0" smtClean="0"/>
-              <a:t>Execute &amp; debug a Flink program in your </a:t>
-            </a:r>
-            <a:r>
-              <a:rPr lang="en-US" dirty="0" smtClean="0"/>
-              <a:t>IDE</a:t>
+              <a:t>Execute &amp; debug a Flink program in your IDE</a:t>
             </a:r>
           </a:p>
           <a:p>
@@ -4433,7 +4493,6 @@
               <a:rPr lang="en-US" dirty="0" smtClean="0"/>
               <a:t>Start a local Flink instance</a:t>
             </a:r>
-            <a:endParaRPr lang="en-US" dirty="0" smtClean="0"/>
           </a:p>
           <a:p>
             <a:pPr marL="457200" lvl="1" indent="0">
@@ -4932,7 +4991,6 @@
               <a:rPr lang="en-US" dirty="0" smtClean="0"/>
               <a:t> </a:t>
             </a:r>
-            <a:endParaRPr lang="en-US" dirty="0" smtClean="0"/>
           </a:p>
           <a:p>
             <a:pPr lvl="1"/>

--- a/slides/flink-handon.pptx
+++ b/slides/flink-handon.pptx
@@ -696,36 +696,6 @@
       </p:pic>
       <p:pic>
         <p:nvPicPr>
-          <p:cNvPr id="6" name="Picture 5" descr="avatar_emerald_200.png"/>
-          <p:cNvPicPr>
-            <a:picLocks noChangeAspect="1"/>
-          </p:cNvPicPr>
-          <p:nvPr userDrawn="1"/>
-        </p:nvPicPr>
-        <p:blipFill>
-          <a:blip r:embed="rId3" cstate="screen">
-            <a:extLst>
-              <a:ext uri="{28A0092B-C50C-407E-A947-70E740481C1C}">
-                <a14:useLocalDpi xmlns:a14="http://schemas.microsoft.com/office/drawing/2010/main"/>
-              </a:ext>
-            </a:extLst>
-          </a:blip>
-          <a:stretch>
-            <a:fillRect/>
-          </a:stretch>
-        </p:blipFill>
-        <p:spPr>
-          <a:xfrm>
-            <a:off x="8022838" y="382257"/>
-            <a:ext cx="663961" cy="660641"/>
-          </a:xfrm>
-          <a:prstGeom prst="rect">
-            <a:avLst/>
-          </a:prstGeom>
-        </p:spPr>
-      </p:pic>
-      <p:pic>
-        <p:nvPicPr>
           <p:cNvPr id="7" name="Picture 6" descr="logo.png"/>
           <p:cNvPicPr>
             <a:picLocks noChangeAspect="1"/>
@@ -733,7 +703,7 @@
           <p:nvPr userDrawn="1"/>
         </p:nvPicPr>
         <p:blipFill>
-          <a:blip r:embed="rId4">
+          <a:blip r:embed="rId3">
             <a:extLst>
               <a:ext uri="{28A0092B-C50C-407E-A947-70E740481C1C}">
                 <a14:useLocalDpi xmlns:a14="http://schemas.microsoft.com/office/drawing/2010/main" val="0"/>
@@ -4081,8 +4051,8 @@
         </p:nvSpPr>
         <p:spPr>
           <a:xfrm>
-            <a:off x="3819004" y="6226328"/>
-            <a:ext cx="1564363" cy="369332"/>
+            <a:off x="3684321" y="6226328"/>
+            <a:ext cx="1762376" cy="369332"/>
           </a:xfrm>
           <a:prstGeom prst="rect">
             <a:avLst/>
@@ -4100,6 +4070,8 @@
                 <a:solidFill>
                   <a:schemeClr val="bg1"/>
                 </a:solidFill>
+                <a:latin typeface="Avenir Next Regular"/>
+                <a:cs typeface="Avenir Next Regular"/>
               </a:rPr>
               <a:t>June 3rd, 2015</a:t>
             </a:r>
@@ -4107,6 +4079,8 @@
               <a:solidFill>
                 <a:schemeClr val="bg1"/>
               </a:solidFill>
+              <a:latin typeface="Avenir Next Regular"/>
+              <a:cs typeface="Avenir Next Regular"/>
             </a:endParaRPr>
           </a:p>
         </p:txBody>

--- a/slides/flink-handon.pptx
+++ b/slides/flink-handon.pptx
@@ -117,7 +117,7 @@
   </p:defaultTextStyle>
   <p:extLst>
     <p:ext uri="{EFAFB233-063F-42B5-8137-9DF3F51BA10A}">
-      <p15:sldGuideLst xmlns:p15="http://schemas.microsoft.com/office/powerpoint/2012/main" xmlns="">
+      <p15:sldGuideLst xmlns="" xmlns:p15="http://schemas.microsoft.com/office/powerpoint/2012/main">
         <p15:guide id="1" orient="horz" pos="2160">
           <p15:clr>
             <a:srgbClr val="A4A3A4"/>
@@ -216,7 +216,7 @@
           <a:p>
             <a:fld id="{F01141F9-3E73-7448-86C2-E96D93FE379F}" type="datetimeFigureOut">
               <a:rPr lang="en-US" smtClean="0"/>
-              <a:t>02/06/15</a:t>
+              <a:t>03/06/15</a:t>
             </a:fld>
             <a:endParaRPr lang="en-US"/>
           </a:p>
@@ -4421,10 +4421,15 @@
             <p:ph idx="1"/>
           </p:nvPr>
         </p:nvSpPr>
-        <p:spPr/>
+        <p:spPr>
+          <a:xfrm>
+            <a:off x="299877" y="1474376"/>
+            <a:ext cx="8555272" cy="4651788"/>
+          </a:xfrm>
+        </p:spPr>
         <p:txBody>
           <a:bodyPr>
-            <a:normAutofit fontScale="92500" lnSpcReduction="10000"/>
+            <a:normAutofit fontScale="92500" lnSpcReduction="20000"/>
           </a:bodyPr>
           <a:lstStyle/>
           <a:p>
@@ -4444,21 +4449,18 @@
             <a:pPr lvl="1"/>
             <a:r>
               <a:rPr lang="en-US" dirty="0" smtClean="0"/>
-              <a:t>Create a new Flink project</a:t>
+              <a:t>Have a Flink Maven project imported into your IDE</a:t>
             </a:r>
           </a:p>
           <a:p>
             <a:pPr lvl="1"/>
             <a:r>
               <a:rPr lang="en-US" dirty="0" smtClean="0"/>
-              <a:t>Import project into IDE</a:t>
-            </a:r>
-          </a:p>
-          <a:p>
-            <a:pPr lvl="1"/>
+              <a:t>Execute </a:t>
+            </a:r>
             <a:r>
               <a:rPr lang="en-US" dirty="0" smtClean="0"/>
-              <a:t>Execute &amp; debug a Flink program in your IDE</a:t>
+              <a:t>&amp; debug a Flink program in your IDE</a:t>
             </a:r>
           </a:p>
           <a:p>
@@ -4477,8 +4479,23 @@
           <a:p>
             <a:r>
               <a:rPr lang="en-US" dirty="0" smtClean="0"/>
-              <a:t>VM image is being distributed</a:t>
-            </a:r>
+              <a:t>VM image is being </a:t>
+            </a:r>
+            <a:r>
+              <a:rPr lang="en-US" dirty="0" smtClean="0"/>
+              <a:t>distributed</a:t>
+            </a:r>
+          </a:p>
+          <a:p>
+            <a:pPr lvl="1"/>
+            <a:r>
+              <a:rPr lang="en-US" dirty="0" smtClean="0"/>
+              <a:t>IDE and Flink project already set up</a:t>
+            </a:r>
+          </a:p>
+          <a:p>
+            <a:pPr lvl="1"/>
+            <a:endParaRPr lang="en-US" dirty="0" smtClean="0"/>
           </a:p>
           <a:p>
             <a:r>
@@ -4731,107 +4748,95 @@
           <a:lstStyle/>
           <a:p>
             <a:r>
-              <a:rPr lang="en-US" sz="2000" dirty="0" smtClean="0"/>
+              <a:rPr lang="en-US" sz="2800" dirty="0" smtClean="0"/>
               <a:t>All exercises use the same data set</a:t>
             </a:r>
           </a:p>
           <a:p>
             <a:pPr lvl="1"/>
             <a:r>
-              <a:rPr lang="en-US" sz="1800" dirty="0" smtClean="0"/>
+              <a:rPr lang="en-US" sz="2400" dirty="0" smtClean="0"/>
               <a:t>Mails extracted from the archives of </a:t>
             </a:r>
             <a:r>
-              <a:rPr lang="en-US" sz="1800" dirty="0" err="1" smtClean="0"/>
+              <a:rPr lang="en-US" sz="2400" dirty="0" err="1" smtClean="0"/>
               <a:t>Flink’s</a:t>
             </a:r>
             <a:r>
-              <a:rPr lang="en-US" sz="1800" dirty="0" smtClean="0"/>
+              <a:rPr lang="en-US" sz="2400" dirty="0" smtClean="0"/>
               <a:t> developer mailing list</a:t>
             </a:r>
           </a:p>
           <a:p>
             <a:pPr lvl="1"/>
-            <a:endParaRPr lang="en-US" sz="1800" dirty="0" smtClean="0"/>
-          </a:p>
-          <a:p>
-            <a:r>
-              <a:rPr lang="en-US" sz="2000" dirty="0" smtClean="0"/>
-              <a:t>Data set is extracted from raw data by running a Flink program</a:t>
+            <a:endParaRPr lang="en-US" sz="2400" dirty="0" smtClean="0"/>
+          </a:p>
+          <a:p>
+            <a:r>
+              <a:rPr lang="en-US" sz="2800" dirty="0" smtClean="0"/>
+              <a:t>Data set is extracted from raw data </a:t>
+            </a:r>
+            <a:r>
+              <a:rPr lang="en-US" sz="2800" dirty="0" smtClean="0"/>
+              <a:t/>
+            </a:r>
+            <a:br>
+              <a:rPr lang="en-US" sz="2800" dirty="0" smtClean="0"/>
+            </a:br>
+            <a:r>
+              <a:rPr lang="en-US" sz="2800" dirty="0" smtClean="0"/>
+              <a:t>by </a:t>
+            </a:r>
+            <a:r>
+              <a:rPr lang="en-US" sz="2800" dirty="0" smtClean="0"/>
+              <a:t>running a Flink </a:t>
+            </a:r>
+            <a:r>
+              <a:rPr lang="en-US" sz="2800" dirty="0" smtClean="0"/>
+              <a:t>program</a:t>
+            </a:r>
+            <a:endParaRPr lang="en-US" sz="2400" dirty="0"/>
+          </a:p>
+          <a:p>
+            <a:endParaRPr lang="en-US" sz="2800" dirty="0" smtClean="0"/>
+          </a:p>
+          <a:p>
+            <a:r>
+              <a:rPr lang="en-US" sz="2800" dirty="0" smtClean="0"/>
+              <a:t>Follow </a:t>
+            </a:r>
+            <a:r>
+              <a:rPr lang="en-US" sz="2800" dirty="0" smtClean="0"/>
+              <a:t>instructions to extract the data</a:t>
             </a:r>
           </a:p>
           <a:p>
             <a:pPr lvl="1"/>
             <a:r>
-              <a:rPr lang="en-US" sz="1800" dirty="0" smtClean="0"/>
-              <a:t>Requires a running local Flink instance</a:t>
-            </a:r>
-          </a:p>
-          <a:p>
-            <a:pPr lvl="1"/>
-            <a:r>
-              <a:rPr lang="en-US" sz="1800" dirty="0"/>
+              <a:rPr lang="en-US" sz="2400" dirty="0"/>
               <a:t>http://</a:t>
             </a:r>
             <a:r>
-              <a:rPr lang="en-US" sz="1800" dirty="0" err="1"/>
+              <a:rPr lang="en-US" sz="2400" dirty="0" err="1"/>
               <a:t>dataartisans.github.io</a:t>
             </a:r>
             <a:r>
-              <a:rPr lang="en-US" sz="1800" dirty="0"/>
+              <a:rPr lang="en-US" sz="2400" dirty="0"/>
               <a:t>/</a:t>
             </a:r>
             <a:r>
-              <a:rPr lang="en-US" sz="1800" dirty="0" err="1"/>
+              <a:rPr lang="en-US" sz="2400" dirty="0" err="1"/>
               <a:t>flink</a:t>
             </a:r>
             <a:r>
-              <a:rPr lang="en-US" sz="1800" dirty="0"/>
-              <a:t>-training/</a:t>
-            </a:r>
-            <a:r>
-              <a:rPr lang="en-US" sz="1800" dirty="0" err="1"/>
-              <a:t>localExec.html</a:t>
-            </a:r>
-            <a:endParaRPr lang="en-US" sz="1800" dirty="0"/>
-          </a:p>
-          <a:p>
-            <a:pPr lvl="1"/>
-            <a:endParaRPr lang="en-US" sz="1800" dirty="0"/>
-          </a:p>
-          <a:p>
-            <a:r>
-              <a:rPr lang="en-US" sz="2000" dirty="0" smtClean="0"/>
-              <a:t>Follow instructions to extract the data</a:t>
-            </a:r>
-          </a:p>
-          <a:p>
-            <a:pPr lvl="1"/>
-            <a:r>
-              <a:rPr lang="en-US" sz="1800" dirty="0"/>
-              <a:t>http://</a:t>
-            </a:r>
-            <a:r>
-              <a:rPr lang="en-US" sz="1800" dirty="0" err="1"/>
-              <a:t>dataartisans.github.io</a:t>
-            </a:r>
-            <a:r>
-              <a:rPr lang="en-US" sz="1800" dirty="0"/>
-              <a:t>/</a:t>
-            </a:r>
-            <a:r>
-              <a:rPr lang="en-US" sz="1800" dirty="0" err="1"/>
-              <a:t>flink</a:t>
-            </a:r>
-            <a:r>
-              <a:rPr lang="en-US" sz="1800" dirty="0"/>
+              <a:rPr lang="en-US" sz="2400" dirty="0"/>
               <a:t>-training/exercises/</a:t>
             </a:r>
             <a:r>
-              <a:rPr lang="en-US" sz="1800" dirty="0" err="1" smtClean="0"/>
+              <a:rPr lang="en-US" sz="2400" dirty="0" err="1" smtClean="0"/>
               <a:t>mailData.html</a:t>
             </a:r>
-            <a:endParaRPr lang="en-US" sz="1800" dirty="0" smtClean="0"/>
+            <a:endParaRPr lang="en-US" sz="2400" dirty="0" smtClean="0"/>
           </a:p>
         </p:txBody>
       </p:sp>
@@ -4927,7 +4932,7 @@
         <p:spPr/>
         <p:txBody>
           <a:bodyPr>
-            <a:normAutofit fontScale="85000" lnSpcReduction="20000"/>
+            <a:normAutofit fontScale="92500" lnSpcReduction="10000"/>
           </a:bodyPr>
           <a:lstStyle/>
           <a:p>
@@ -4952,21 +4957,6 @@
             </a:r>
           </a:p>
           <a:p>
-            <a:pPr lvl="2"/>
-            <a:r>
-              <a:rPr lang="en-US" dirty="0" smtClean="0"/>
-              <a:t>Template </a:t>
-            </a:r>
-            <a:r>
-              <a:rPr lang="en-US" dirty="0" err="1" smtClean="0"/>
-              <a:t>Job.java</a:t>
-            </a:r>
-            <a:r>
-              <a:rPr lang="en-US" dirty="0" smtClean="0"/>
-              <a:t> </a:t>
-            </a:r>
-          </a:p>
-          <a:p>
             <a:pPr lvl="1"/>
             <a:r>
               <a:rPr lang="en-US" dirty="0" smtClean="0"/>
@@ -4996,10 +4986,6 @@
               <a:rPr lang="en-US" dirty="0" err="1" smtClean="0"/>
               <a:t>mailCount.html</a:t>
             </a:r>
-            <a:endParaRPr lang="en-US" dirty="0" smtClean="0"/>
-          </a:p>
-          <a:p>
-            <a:pPr lvl="1"/>
             <a:endParaRPr lang="en-US" dirty="0" smtClean="0"/>
           </a:p>
           <a:p>

--- a/slides/flink-handon.pptx
+++ b/slides/flink-handon.pptx
@@ -5,18 +5,12 @@
     <p:sldMasterId id="2147483660" r:id="rId1"/>
   </p:sldMasterIdLst>
   <p:notesMasterIdLst>
-    <p:notesMasterId r:id="rId11"/>
+    <p:notesMasterId r:id="rId5"/>
   </p:notesMasterIdLst>
   <p:sldIdLst>
     <p:sldId id="258" r:id="rId2"/>
     <p:sldId id="277" r:id="rId3"/>
     <p:sldId id="265" r:id="rId4"/>
-    <p:sldId id="263" r:id="rId5"/>
-    <p:sldId id="267" r:id="rId6"/>
-    <p:sldId id="274" r:id="rId7"/>
-    <p:sldId id="275" r:id="rId8"/>
-    <p:sldId id="273" r:id="rId9"/>
-    <p:sldId id="276" r:id="rId10"/>
   </p:sldIdLst>
   <p:sldSz cx="9144000" cy="6858000" type="screen4x3"/>
   <p:notesSz cx="6858000" cy="9144000"/>
@@ -117,7 +111,7 @@
   </p:defaultTextStyle>
   <p:extLst>
     <p:ext uri="{EFAFB233-063F-42B5-8137-9DF3F51BA10A}">
-      <p15:sldGuideLst xmlns="" xmlns:p15="http://schemas.microsoft.com/office/powerpoint/2012/main">
+      <p15:sldGuideLst xmlns:p15="http://schemas.microsoft.com/office/powerpoint/2012/main" xmlns="">
         <p15:guide id="1" orient="horz" pos="2160">
           <p15:clr>
             <a:srgbClr val="A4A3A4"/>
@@ -216,7 +210,7 @@
           <a:p>
             <a:fld id="{F01141F9-3E73-7448-86C2-E96D93FE379F}" type="datetimeFigureOut">
               <a:rPr lang="en-US" smtClean="0"/>
-              <a:t>03/06/15</a:t>
+              <a:t>01/09/15</a:t>
             </a:fld>
             <a:endParaRPr lang="en-US"/>
           </a:p>
@@ -4271,7 +4265,7 @@
       </p:grpSpPr>
       <p:sp>
         <p:nvSpPr>
-          <p:cNvPr id="5" name="Title 4"/>
+          <p:cNvPr id="2" name="Title 1"/>
           <p:cNvSpPr>
             <a:spLocks noGrp="1"/>
           </p:cNvSpPr>
@@ -4279,27 +4273,18 @@
             <p:ph type="title"/>
           </p:nvPr>
         </p:nvSpPr>
-        <p:spPr>
-          <a:xfrm>
-            <a:off x="722312" y="4406900"/>
-            <a:ext cx="8132809" cy="1362075"/>
-          </a:xfrm>
-        </p:spPr>
+        <p:spPr/>
         <p:txBody>
           <a:bodyPr/>
           <a:lstStyle/>
           <a:p>
-            <a:r>
-              <a:rPr lang="en-US" dirty="0" smtClean="0"/>
-              <a:t>Setup Development Environment</a:t>
-            </a:r>
-            <a:endParaRPr lang="en-US" dirty="0"/>
-          </a:p>
-        </p:txBody>
-      </p:sp>
-      <p:sp>
-        <p:nvSpPr>
-          <p:cNvPr id="6" name="Text Placeholder 5"/>
+            <a:endParaRPr lang="en-US"/>
+          </a:p>
+        </p:txBody>
+      </p:sp>
+      <p:sp>
+        <p:nvSpPr>
+          <p:cNvPr id="3" name="Text Placeholder 2"/>
           <p:cNvSpPr>
             <a:spLocks noGrp="1"/>
           </p:cNvSpPr>
@@ -4312,47 +4297,7 @@
           <a:bodyPr/>
           <a:lstStyle/>
           <a:p>
-            <a:r>
-              <a:rPr lang="en-US" dirty="0" smtClean="0"/>
-              <a:t>Ready, Set, GO!</a:t>
-            </a:r>
-            <a:endParaRPr lang="en-US" dirty="0"/>
-          </a:p>
-        </p:txBody>
-      </p:sp>
-      <p:sp>
-        <p:nvSpPr>
-          <p:cNvPr id="4" name="Slide Number Placeholder 3"/>
-          <p:cNvSpPr>
-            <a:spLocks noGrp="1"/>
-          </p:cNvSpPr>
-          <p:nvPr>
-            <p:ph type="sldNum" sz="quarter" idx="12"/>
-          </p:nvPr>
-        </p:nvSpPr>
-        <p:spPr/>
-        <p:txBody>
-          <a:bodyPr/>
-          <a:lstStyle/>
-          <a:p>
-            <a:fld id="{B07C5D84-2227-C144-B485-A8CA33CE4230}" type="slidenum">
-              <a:rPr lang="en-US" smtClean="0">
-                <a:solidFill>
-                  <a:prstClr val="black">
-                    <a:tint val="75000"/>
-                  </a:prstClr>
-                </a:solidFill>
-              </a:rPr>
-              <a:pPr/>
-              <a:t>3</a:t>
-            </a:fld>
-            <a:endParaRPr lang="en-US">
-              <a:solidFill>
-                <a:prstClr val="black">
-                  <a:tint val="75000"/>
-                </a:prstClr>
-              </a:solidFill>
-            </a:endParaRPr>
+            <a:endParaRPr lang="en-US"/>
           </a:p>
         </p:txBody>
       </p:sp>
@@ -4360,1031 +4305,6 @@
     <p:extLst>
       <p:ext uri="{BB962C8B-B14F-4D97-AF65-F5344CB8AC3E}">
         <p14:creationId xmlns:p14="http://schemas.microsoft.com/office/powerpoint/2010/main" val="1897123840"/>
-      </p:ext>
-    </p:extLst>
-  </p:cSld>
-  <p:clrMapOvr>
-    <a:masterClrMapping/>
-  </p:clrMapOvr>
-</p:sld>
-</file>
-
-<file path=ppt/slides/slide4.xml><?xml version="1.0" encoding="utf-8"?>
-<p:sld xmlns:a="http://schemas.openxmlformats.org/drawingml/2006/main" xmlns:r="http://schemas.openxmlformats.org/officeDocument/2006/relationships" xmlns:p="http://schemas.openxmlformats.org/presentationml/2006/main">
-  <p:cSld>
-    <p:spTree>
-      <p:nvGrpSpPr>
-        <p:cNvPr id="1" name=""/>
-        <p:cNvGrpSpPr/>
-        <p:nvPr/>
-      </p:nvGrpSpPr>
-      <p:grpSpPr>
-        <a:xfrm>
-          <a:off x="0" y="0"/>
-          <a:ext cx="0" cy="0"/>
-          <a:chOff x="0" y="0"/>
-          <a:chExt cx="0" cy="0"/>
-        </a:xfrm>
-      </p:grpSpPr>
-      <p:sp>
-        <p:nvSpPr>
-          <p:cNvPr id="2" name="Title 1"/>
-          <p:cNvSpPr>
-            <a:spLocks noGrp="1"/>
-          </p:cNvSpPr>
-          <p:nvPr>
-            <p:ph type="title"/>
-          </p:nvPr>
-        </p:nvSpPr>
-        <p:spPr/>
-        <p:txBody>
-          <a:bodyPr>
-            <a:noAutofit/>
-          </a:bodyPr>
-          <a:lstStyle/>
-          <a:p>
-            <a:r>
-              <a:rPr lang="en-US" sz="3600" dirty="0" smtClean="0"/>
-              <a:t>Setup Development Environment</a:t>
-            </a:r>
-            <a:endParaRPr lang="en-US" sz="3600" dirty="0"/>
-          </a:p>
-        </p:txBody>
-      </p:sp>
-      <p:sp>
-        <p:nvSpPr>
-          <p:cNvPr id="3" name="Content Placeholder 2"/>
-          <p:cNvSpPr>
-            <a:spLocks noGrp="1"/>
-          </p:cNvSpPr>
-          <p:nvPr>
-            <p:ph idx="1"/>
-          </p:nvPr>
-        </p:nvSpPr>
-        <p:spPr>
-          <a:xfrm>
-            <a:off x="299877" y="1474376"/>
-            <a:ext cx="8555272" cy="4651788"/>
-          </a:xfrm>
-        </p:spPr>
-        <p:txBody>
-          <a:bodyPr>
-            <a:normAutofit fontScale="92500" lnSpcReduction="20000"/>
-          </a:bodyPr>
-          <a:lstStyle/>
-          <a:p>
-            <a:r>
-              <a:rPr lang="en-US" dirty="0" smtClean="0"/>
-              <a:t>Goals:</a:t>
-            </a:r>
-          </a:p>
-          <a:p>
-            <a:pPr lvl="1"/>
-            <a:r>
-              <a:rPr lang="en-US" dirty="0" smtClean="0"/>
-              <a:t>Setup development environment</a:t>
-            </a:r>
-          </a:p>
-          <a:p>
-            <a:pPr lvl="1"/>
-            <a:r>
-              <a:rPr lang="en-US" dirty="0" smtClean="0"/>
-              <a:t>Have a Flink Maven project imported into your IDE</a:t>
-            </a:r>
-          </a:p>
-          <a:p>
-            <a:pPr lvl="1"/>
-            <a:r>
-              <a:rPr lang="en-US" dirty="0" smtClean="0"/>
-              <a:t>Execute </a:t>
-            </a:r>
-            <a:r>
-              <a:rPr lang="en-US" dirty="0" smtClean="0"/>
-              <a:t>&amp; debug a Flink program in your IDE</a:t>
-            </a:r>
-          </a:p>
-          <a:p>
-            <a:pPr lvl="1"/>
-            <a:r>
-              <a:rPr lang="en-US" dirty="0" smtClean="0"/>
-              <a:t>Start a local Flink instance</a:t>
-            </a:r>
-          </a:p>
-          <a:p>
-            <a:pPr marL="457200" lvl="1" indent="0">
-              <a:buNone/>
-            </a:pPr>
-            <a:endParaRPr lang="en-US" dirty="0"/>
-          </a:p>
-          <a:p>
-            <a:r>
-              <a:rPr lang="en-US" dirty="0" smtClean="0"/>
-              <a:t>VM image is being </a:t>
-            </a:r>
-            <a:r>
-              <a:rPr lang="en-US" dirty="0" smtClean="0"/>
-              <a:t>distributed</a:t>
-            </a:r>
-          </a:p>
-          <a:p>
-            <a:pPr lvl="1"/>
-            <a:r>
-              <a:rPr lang="en-US" dirty="0" smtClean="0"/>
-              <a:t>IDE and Flink project already set up</a:t>
-            </a:r>
-          </a:p>
-          <a:p>
-            <a:pPr lvl="1"/>
-            <a:endParaRPr lang="en-US" dirty="0" smtClean="0"/>
-          </a:p>
-          <a:p>
-            <a:r>
-              <a:rPr lang="en-US" dirty="0" smtClean="0"/>
-              <a:t>Follow instructions at</a:t>
-            </a:r>
-          </a:p>
-          <a:p>
-            <a:pPr lvl="1"/>
-            <a:r>
-              <a:rPr lang="en-US" sz="2600" dirty="0"/>
-              <a:t>http://</a:t>
-            </a:r>
-            <a:r>
-              <a:rPr lang="en-US" sz="2600" dirty="0" err="1"/>
-              <a:t>dataartisans.github.io</a:t>
-            </a:r>
-            <a:r>
-              <a:rPr lang="en-US" sz="2600" dirty="0"/>
-              <a:t>/</a:t>
-            </a:r>
-            <a:r>
-              <a:rPr lang="en-US" sz="2600" dirty="0" err="1"/>
-              <a:t>flink</a:t>
-            </a:r>
-            <a:r>
-              <a:rPr lang="en-US" sz="2600" dirty="0"/>
-              <a:t>-training/</a:t>
-            </a:r>
-            <a:r>
-              <a:rPr lang="en-US" sz="2600" dirty="0" err="1"/>
-              <a:t>setup.html</a:t>
-            </a:r>
-            <a:endParaRPr lang="en-US" sz="2600" dirty="0" smtClean="0"/>
-          </a:p>
-        </p:txBody>
-      </p:sp>
-      <p:sp>
-        <p:nvSpPr>
-          <p:cNvPr id="4" name="Slide Number Placeholder 3"/>
-          <p:cNvSpPr>
-            <a:spLocks noGrp="1"/>
-          </p:cNvSpPr>
-          <p:nvPr>
-            <p:ph type="sldNum" sz="quarter" idx="12"/>
-          </p:nvPr>
-        </p:nvSpPr>
-        <p:spPr/>
-        <p:txBody>
-          <a:bodyPr/>
-          <a:lstStyle/>
-          <a:p>
-            <a:fld id="{B07C5D84-2227-C144-B485-A8CA33CE4230}" type="slidenum">
-              <a:rPr lang="en-US" smtClean="0">
-                <a:solidFill>
-                  <a:prstClr val="black">
-                    <a:tint val="75000"/>
-                  </a:prstClr>
-                </a:solidFill>
-              </a:rPr>
-              <a:pPr/>
-              <a:t>4</a:t>
-            </a:fld>
-            <a:endParaRPr lang="en-US">
-              <a:solidFill>
-                <a:prstClr val="black">
-                  <a:tint val="75000"/>
-                </a:prstClr>
-              </a:solidFill>
-            </a:endParaRPr>
-          </a:p>
-        </p:txBody>
-      </p:sp>
-    </p:spTree>
-    <p:extLst>
-      <p:ext uri="{BB962C8B-B14F-4D97-AF65-F5344CB8AC3E}">
-        <p14:creationId xmlns:p14="http://schemas.microsoft.com/office/powerpoint/2010/main" val="807639282"/>
-      </p:ext>
-    </p:extLst>
-  </p:cSld>
-  <p:clrMapOvr>
-    <a:masterClrMapping/>
-  </p:clrMapOvr>
-</p:sld>
-</file>
-
-<file path=ppt/slides/slide5.xml><?xml version="1.0" encoding="utf-8"?>
-<p:sld xmlns:a="http://schemas.openxmlformats.org/drawingml/2006/main" xmlns:r="http://schemas.openxmlformats.org/officeDocument/2006/relationships" xmlns:p="http://schemas.openxmlformats.org/presentationml/2006/main">
-  <p:cSld>
-    <p:spTree>
-      <p:nvGrpSpPr>
-        <p:cNvPr id="1" name=""/>
-        <p:cNvGrpSpPr/>
-        <p:nvPr/>
-      </p:nvGrpSpPr>
-      <p:grpSpPr>
-        <a:xfrm>
-          <a:off x="0" y="0"/>
-          <a:ext cx="0" cy="0"/>
-          <a:chOff x="0" y="0"/>
-          <a:chExt cx="0" cy="0"/>
-        </a:xfrm>
-      </p:grpSpPr>
-      <p:sp>
-        <p:nvSpPr>
-          <p:cNvPr id="5" name="Title 4"/>
-          <p:cNvSpPr>
-            <a:spLocks noGrp="1"/>
-          </p:cNvSpPr>
-          <p:nvPr>
-            <p:ph type="title"/>
-          </p:nvPr>
-        </p:nvSpPr>
-        <p:spPr/>
-        <p:txBody>
-          <a:bodyPr/>
-          <a:lstStyle/>
-          <a:p>
-            <a:r>
-              <a:rPr lang="en-US" dirty="0" smtClean="0"/>
-              <a:t>Write your first Flink Program</a:t>
-            </a:r>
-            <a:endParaRPr lang="en-US" dirty="0"/>
-          </a:p>
-        </p:txBody>
-      </p:sp>
-      <p:sp>
-        <p:nvSpPr>
-          <p:cNvPr id="6" name="Text Placeholder 5"/>
-          <p:cNvSpPr>
-            <a:spLocks noGrp="1"/>
-          </p:cNvSpPr>
-          <p:nvPr>
-            <p:ph type="body" idx="1"/>
-          </p:nvPr>
-        </p:nvSpPr>
-        <p:spPr/>
-        <p:txBody>
-          <a:bodyPr/>
-          <a:lstStyle/>
-          <a:p>
-            <a:endParaRPr lang="en-US" dirty="0"/>
-          </a:p>
-        </p:txBody>
-      </p:sp>
-      <p:sp>
-        <p:nvSpPr>
-          <p:cNvPr id="4" name="Slide Number Placeholder 3"/>
-          <p:cNvSpPr>
-            <a:spLocks noGrp="1"/>
-          </p:cNvSpPr>
-          <p:nvPr>
-            <p:ph type="sldNum" sz="quarter" idx="12"/>
-          </p:nvPr>
-        </p:nvSpPr>
-        <p:spPr/>
-        <p:txBody>
-          <a:bodyPr/>
-          <a:lstStyle/>
-          <a:p>
-            <a:fld id="{B07C5D84-2227-C144-B485-A8CA33CE4230}" type="slidenum">
-              <a:rPr lang="en-US" smtClean="0">
-                <a:solidFill>
-                  <a:prstClr val="black">
-                    <a:tint val="75000"/>
-                  </a:prstClr>
-                </a:solidFill>
-              </a:rPr>
-              <a:pPr/>
-              <a:t>5</a:t>
-            </a:fld>
-            <a:endParaRPr lang="en-US">
-              <a:solidFill>
-                <a:prstClr val="black">
-                  <a:tint val="75000"/>
-                </a:prstClr>
-              </a:solidFill>
-            </a:endParaRPr>
-          </a:p>
-        </p:txBody>
-      </p:sp>
-    </p:spTree>
-    <p:extLst>
-      <p:ext uri="{BB962C8B-B14F-4D97-AF65-F5344CB8AC3E}">
-        <p14:creationId xmlns:p14="http://schemas.microsoft.com/office/powerpoint/2010/main" val="367488533"/>
-      </p:ext>
-    </p:extLst>
-  </p:cSld>
-  <p:clrMapOvr>
-    <a:masterClrMapping/>
-  </p:clrMapOvr>
-</p:sld>
-</file>
-
-<file path=ppt/slides/slide6.xml><?xml version="1.0" encoding="utf-8"?>
-<p:sld xmlns:a="http://schemas.openxmlformats.org/drawingml/2006/main" xmlns:r="http://schemas.openxmlformats.org/officeDocument/2006/relationships" xmlns:p="http://schemas.openxmlformats.org/presentationml/2006/main">
-  <p:cSld>
-    <p:spTree>
-      <p:nvGrpSpPr>
-        <p:cNvPr id="1" name=""/>
-        <p:cNvGrpSpPr/>
-        <p:nvPr/>
-      </p:nvGrpSpPr>
-      <p:grpSpPr>
-        <a:xfrm>
-          <a:off x="0" y="0"/>
-          <a:ext cx="0" cy="0"/>
-          <a:chOff x="0" y="0"/>
-          <a:chExt cx="0" cy="0"/>
-        </a:xfrm>
-      </p:grpSpPr>
-      <p:sp>
-        <p:nvSpPr>
-          <p:cNvPr id="5" name="Title 4"/>
-          <p:cNvSpPr>
-            <a:spLocks noGrp="1"/>
-          </p:cNvSpPr>
-          <p:nvPr>
-            <p:ph type="title"/>
-          </p:nvPr>
-        </p:nvSpPr>
-        <p:spPr/>
-        <p:txBody>
-          <a:bodyPr/>
-          <a:lstStyle/>
-          <a:p>
-            <a:r>
-              <a:rPr lang="en-US" dirty="0" smtClean="0"/>
-              <a:t>Generate Test Data Set</a:t>
-            </a:r>
-            <a:endParaRPr lang="en-US" dirty="0"/>
-          </a:p>
-        </p:txBody>
-      </p:sp>
-      <p:sp>
-        <p:nvSpPr>
-          <p:cNvPr id="6" name="Content Placeholder 5"/>
-          <p:cNvSpPr>
-            <a:spLocks noGrp="1"/>
-          </p:cNvSpPr>
-          <p:nvPr>
-            <p:ph idx="1"/>
-          </p:nvPr>
-        </p:nvSpPr>
-        <p:spPr/>
-        <p:txBody>
-          <a:bodyPr>
-            <a:normAutofit/>
-          </a:bodyPr>
-          <a:lstStyle/>
-          <a:p>
-            <a:r>
-              <a:rPr lang="en-US" sz="2800" dirty="0" smtClean="0"/>
-              <a:t>All exercises use the same data set</a:t>
-            </a:r>
-          </a:p>
-          <a:p>
-            <a:pPr lvl="1"/>
-            <a:r>
-              <a:rPr lang="en-US" sz="2400" dirty="0" smtClean="0"/>
-              <a:t>Mails extracted from the archives of </a:t>
-            </a:r>
-            <a:r>
-              <a:rPr lang="en-US" sz="2400" dirty="0" err="1" smtClean="0"/>
-              <a:t>Flink’s</a:t>
-            </a:r>
-            <a:r>
-              <a:rPr lang="en-US" sz="2400" dirty="0" smtClean="0"/>
-              <a:t> developer mailing list</a:t>
-            </a:r>
-          </a:p>
-          <a:p>
-            <a:pPr lvl="1"/>
-            <a:endParaRPr lang="en-US" sz="2400" dirty="0" smtClean="0"/>
-          </a:p>
-          <a:p>
-            <a:r>
-              <a:rPr lang="en-US" sz="2800" dirty="0" smtClean="0"/>
-              <a:t>Data set is extracted from raw data </a:t>
-            </a:r>
-            <a:r>
-              <a:rPr lang="en-US" sz="2800" dirty="0" smtClean="0"/>
-              <a:t/>
-            </a:r>
-            <a:br>
-              <a:rPr lang="en-US" sz="2800" dirty="0" smtClean="0"/>
-            </a:br>
-            <a:r>
-              <a:rPr lang="en-US" sz="2800" dirty="0" smtClean="0"/>
-              <a:t>by </a:t>
-            </a:r>
-            <a:r>
-              <a:rPr lang="en-US" sz="2800" dirty="0" smtClean="0"/>
-              <a:t>running a Flink </a:t>
-            </a:r>
-            <a:r>
-              <a:rPr lang="en-US" sz="2800" dirty="0" smtClean="0"/>
-              <a:t>program</a:t>
-            </a:r>
-            <a:endParaRPr lang="en-US" sz="2400" dirty="0"/>
-          </a:p>
-          <a:p>
-            <a:endParaRPr lang="en-US" sz="2800" dirty="0" smtClean="0"/>
-          </a:p>
-          <a:p>
-            <a:r>
-              <a:rPr lang="en-US" sz="2800" dirty="0" smtClean="0"/>
-              <a:t>Follow </a:t>
-            </a:r>
-            <a:r>
-              <a:rPr lang="en-US" sz="2800" dirty="0" smtClean="0"/>
-              <a:t>instructions to extract the data</a:t>
-            </a:r>
-          </a:p>
-          <a:p>
-            <a:pPr lvl="1"/>
-            <a:r>
-              <a:rPr lang="en-US" sz="2400" dirty="0"/>
-              <a:t>http://</a:t>
-            </a:r>
-            <a:r>
-              <a:rPr lang="en-US" sz="2400" dirty="0" err="1"/>
-              <a:t>dataartisans.github.io</a:t>
-            </a:r>
-            <a:r>
-              <a:rPr lang="en-US" sz="2400" dirty="0"/>
-              <a:t>/</a:t>
-            </a:r>
-            <a:r>
-              <a:rPr lang="en-US" sz="2400" dirty="0" err="1"/>
-              <a:t>flink</a:t>
-            </a:r>
-            <a:r>
-              <a:rPr lang="en-US" sz="2400" dirty="0"/>
-              <a:t>-training/exercises/</a:t>
-            </a:r>
-            <a:r>
-              <a:rPr lang="en-US" sz="2400" dirty="0" err="1" smtClean="0"/>
-              <a:t>mailData.html</a:t>
-            </a:r>
-            <a:endParaRPr lang="en-US" sz="2400" dirty="0" smtClean="0"/>
-          </a:p>
-        </p:txBody>
-      </p:sp>
-      <p:sp>
-        <p:nvSpPr>
-          <p:cNvPr id="4" name="Slide Number Placeholder 3"/>
-          <p:cNvSpPr>
-            <a:spLocks noGrp="1"/>
-          </p:cNvSpPr>
-          <p:nvPr>
-            <p:ph type="sldNum" sz="quarter" idx="12"/>
-          </p:nvPr>
-        </p:nvSpPr>
-        <p:spPr/>
-        <p:txBody>
-          <a:bodyPr/>
-          <a:lstStyle/>
-          <a:p>
-            <a:fld id="{B07C5D84-2227-C144-B485-A8CA33CE4230}" type="slidenum">
-              <a:rPr lang="en-US" smtClean="0"/>
-              <a:pPr/>
-              <a:t>6</a:t>
-            </a:fld>
-            <a:endParaRPr lang="en-US"/>
-          </a:p>
-        </p:txBody>
-      </p:sp>
-    </p:spTree>
-    <p:extLst>
-      <p:ext uri="{BB962C8B-B14F-4D97-AF65-F5344CB8AC3E}">
-        <p14:creationId xmlns:p14="http://schemas.microsoft.com/office/powerpoint/2010/main" val="4247174161"/>
-      </p:ext>
-    </p:extLst>
-  </p:cSld>
-  <p:clrMapOvr>
-    <a:masterClrMapping/>
-  </p:clrMapOvr>
-</p:sld>
-</file>
-
-<file path=ppt/slides/slide7.xml><?xml version="1.0" encoding="utf-8"?>
-<p:sld xmlns:a="http://schemas.openxmlformats.org/drawingml/2006/main" xmlns:r="http://schemas.openxmlformats.org/officeDocument/2006/relationships" xmlns:p="http://schemas.openxmlformats.org/presentationml/2006/main">
-  <p:cSld>
-    <p:spTree>
-      <p:nvGrpSpPr>
-        <p:cNvPr id="1" name=""/>
-        <p:cNvGrpSpPr/>
-        <p:nvPr/>
-      </p:nvGrpSpPr>
-      <p:grpSpPr>
-        <a:xfrm>
-          <a:off x="0" y="0"/>
-          <a:ext cx="0" cy="0"/>
-          <a:chOff x="0" y="0"/>
-          <a:chExt cx="0" cy="0"/>
-        </a:xfrm>
-      </p:grpSpPr>
-      <p:sp>
-        <p:nvSpPr>
-          <p:cNvPr id="2" name="Title 1"/>
-          <p:cNvSpPr>
-            <a:spLocks noGrp="1"/>
-          </p:cNvSpPr>
-          <p:nvPr>
-            <p:ph type="title"/>
-          </p:nvPr>
-        </p:nvSpPr>
-        <p:spPr/>
-        <p:txBody>
-          <a:bodyPr>
-            <a:normAutofit fontScale="90000"/>
-          </a:bodyPr>
-          <a:lstStyle/>
-          <a:p>
-            <a:r>
-              <a:rPr lang="en-US" dirty="0" smtClean="0"/>
-              <a:t>Write your first Flink program</a:t>
-            </a:r>
-            <a:endParaRPr lang="en-US" dirty="0"/>
-          </a:p>
-        </p:txBody>
-      </p:sp>
-      <p:sp>
-        <p:nvSpPr>
-          <p:cNvPr id="3" name="Content Placeholder 2"/>
-          <p:cNvSpPr>
-            <a:spLocks noGrp="1"/>
-          </p:cNvSpPr>
-          <p:nvPr>
-            <p:ph idx="1"/>
-          </p:nvPr>
-        </p:nvSpPr>
-        <p:spPr/>
-        <p:txBody>
-          <a:bodyPr>
-            <a:normAutofit fontScale="92500" lnSpcReduction="10000"/>
-          </a:bodyPr>
-          <a:lstStyle/>
-          <a:p>
-            <a:r>
-              <a:rPr lang="en-US" dirty="0" smtClean="0"/>
-              <a:t>Implement the Mail Count exercise</a:t>
-            </a:r>
-          </a:p>
-          <a:p>
-            <a:pPr lvl="1"/>
-            <a:r>
-              <a:rPr lang="en-US" dirty="0" smtClean="0"/>
-              <a:t>Use </a:t>
-            </a:r>
-            <a:r>
-              <a:rPr lang="en-US" dirty="0" err="1" smtClean="0"/>
-              <a:t>quickstart</a:t>
-            </a:r>
-            <a:r>
-              <a:rPr lang="en-US" dirty="0" smtClean="0"/>
-              <a:t> Maven project</a:t>
-            </a:r>
-          </a:p>
-          <a:p>
-            <a:pPr lvl="1"/>
-            <a:r>
-              <a:rPr lang="en-US" dirty="0" smtClean="0"/>
-              <a:t>http</a:t>
-            </a:r>
-            <a:r>
-              <a:rPr lang="en-US" dirty="0"/>
-              <a:t>://</a:t>
-            </a:r>
-            <a:r>
-              <a:rPr lang="en-US" dirty="0" err="1"/>
-              <a:t>dataartisans.github.io</a:t>
-            </a:r>
-            <a:r>
-              <a:rPr lang="en-US" dirty="0"/>
-              <a:t>/</a:t>
-            </a:r>
-            <a:r>
-              <a:rPr lang="en-US" dirty="0" err="1"/>
-              <a:t>flink</a:t>
-            </a:r>
-            <a:r>
-              <a:rPr lang="en-US" dirty="0"/>
-              <a:t>-training/exercises/</a:t>
-            </a:r>
-            <a:r>
-              <a:rPr lang="en-US" dirty="0" err="1" smtClean="0"/>
-              <a:t>mailCount.html</a:t>
-            </a:r>
-            <a:endParaRPr lang="en-US" dirty="0" smtClean="0"/>
-          </a:p>
-          <a:p>
-            <a:pPr lvl="1"/>
-            <a:endParaRPr lang="en-US" dirty="0"/>
-          </a:p>
-          <a:p>
-            <a:r>
-              <a:rPr lang="en-US" dirty="0" smtClean="0"/>
-              <a:t>Exercises include</a:t>
-            </a:r>
-          </a:p>
-          <a:p>
-            <a:pPr lvl="1"/>
-            <a:r>
-              <a:rPr lang="en-US" dirty="0"/>
-              <a:t>I</a:t>
-            </a:r>
-            <a:r>
-              <a:rPr lang="en-US" dirty="0" smtClean="0"/>
-              <a:t>mplementation hints</a:t>
-            </a:r>
-          </a:p>
-          <a:p>
-            <a:pPr lvl="1"/>
-            <a:r>
-              <a:rPr lang="en-US" dirty="0" smtClean="0"/>
-              <a:t>Reference solutions</a:t>
-            </a:r>
-          </a:p>
-          <a:p>
-            <a:pPr lvl="1"/>
-            <a:endParaRPr lang="en-US" dirty="0"/>
-          </a:p>
-          <a:p>
-            <a:r>
-              <a:rPr lang="en-US" dirty="0" smtClean="0"/>
-              <a:t>If done with Mail Count, go to next exercise</a:t>
-            </a:r>
-            <a:endParaRPr lang="en-US" dirty="0"/>
-          </a:p>
-        </p:txBody>
-      </p:sp>
-      <p:sp>
-        <p:nvSpPr>
-          <p:cNvPr id="4" name="Slide Number Placeholder 3"/>
-          <p:cNvSpPr>
-            <a:spLocks noGrp="1"/>
-          </p:cNvSpPr>
-          <p:nvPr>
-            <p:ph type="sldNum" sz="quarter" idx="12"/>
-          </p:nvPr>
-        </p:nvSpPr>
-        <p:spPr/>
-        <p:txBody>
-          <a:bodyPr/>
-          <a:lstStyle/>
-          <a:p>
-            <a:fld id="{B07C5D84-2227-C144-B485-A8CA33CE4230}" type="slidenum">
-              <a:rPr lang="en-US" smtClean="0">
-                <a:solidFill>
-                  <a:prstClr val="black">
-                    <a:tint val="75000"/>
-                  </a:prstClr>
-                </a:solidFill>
-              </a:rPr>
-              <a:pPr/>
-              <a:t>7</a:t>
-            </a:fld>
-            <a:endParaRPr lang="en-US">
-              <a:solidFill>
-                <a:prstClr val="black">
-                  <a:tint val="75000"/>
-                </a:prstClr>
-              </a:solidFill>
-            </a:endParaRPr>
-          </a:p>
-        </p:txBody>
-      </p:sp>
-    </p:spTree>
-    <p:extLst>
-      <p:ext uri="{BB962C8B-B14F-4D97-AF65-F5344CB8AC3E}">
-        <p14:creationId xmlns:p14="http://schemas.microsoft.com/office/powerpoint/2010/main" val="37289701"/>
-      </p:ext>
-    </p:extLst>
-  </p:cSld>
-  <p:clrMapOvr>
-    <a:masterClrMapping/>
-  </p:clrMapOvr>
-</p:sld>
-</file>
-
-<file path=ppt/slides/slide8.xml><?xml version="1.0" encoding="utf-8"?>
-<p:sld xmlns:a="http://schemas.openxmlformats.org/drawingml/2006/main" xmlns:r="http://schemas.openxmlformats.org/officeDocument/2006/relationships" xmlns:p="http://schemas.openxmlformats.org/presentationml/2006/main">
-  <p:cSld>
-    <p:spTree>
-      <p:nvGrpSpPr>
-        <p:cNvPr id="1" name=""/>
-        <p:cNvGrpSpPr/>
-        <p:nvPr/>
-      </p:nvGrpSpPr>
-      <p:grpSpPr>
-        <a:xfrm>
-          <a:off x="0" y="0"/>
-          <a:ext cx="0" cy="0"/>
-          <a:chOff x="0" y="0"/>
-          <a:chExt cx="0" cy="0"/>
-        </a:xfrm>
-      </p:grpSpPr>
-      <p:sp>
-        <p:nvSpPr>
-          <p:cNvPr id="5" name="Title 4"/>
-          <p:cNvSpPr>
-            <a:spLocks noGrp="1"/>
-          </p:cNvSpPr>
-          <p:nvPr>
-            <p:ph type="title"/>
-          </p:nvPr>
-        </p:nvSpPr>
-        <p:spPr/>
-        <p:txBody>
-          <a:bodyPr/>
-          <a:lstStyle/>
-          <a:p>
-            <a:r>
-              <a:rPr lang="en-US" dirty="0" smtClean="0"/>
-              <a:t>More Fun with Flink</a:t>
-            </a:r>
-            <a:endParaRPr lang="en-US" dirty="0"/>
-          </a:p>
-        </p:txBody>
-      </p:sp>
-      <p:sp>
-        <p:nvSpPr>
-          <p:cNvPr id="6" name="Text Placeholder 5"/>
-          <p:cNvSpPr>
-            <a:spLocks noGrp="1"/>
-          </p:cNvSpPr>
-          <p:nvPr>
-            <p:ph type="body" idx="1"/>
-          </p:nvPr>
-        </p:nvSpPr>
-        <p:spPr/>
-        <p:txBody>
-          <a:bodyPr/>
-          <a:lstStyle/>
-          <a:p>
-            <a:endParaRPr lang="en-US" dirty="0"/>
-          </a:p>
-        </p:txBody>
-      </p:sp>
-      <p:sp>
-        <p:nvSpPr>
-          <p:cNvPr id="4" name="Slide Number Placeholder 3"/>
-          <p:cNvSpPr>
-            <a:spLocks noGrp="1"/>
-          </p:cNvSpPr>
-          <p:nvPr>
-            <p:ph type="sldNum" sz="quarter" idx="12"/>
-          </p:nvPr>
-        </p:nvSpPr>
-        <p:spPr/>
-        <p:txBody>
-          <a:bodyPr/>
-          <a:lstStyle/>
-          <a:p>
-            <a:fld id="{B07C5D84-2227-C144-B485-A8CA33CE4230}" type="slidenum">
-              <a:rPr lang="en-US" smtClean="0">
-                <a:solidFill>
-                  <a:prstClr val="black">
-                    <a:tint val="75000"/>
-                  </a:prstClr>
-                </a:solidFill>
-              </a:rPr>
-              <a:pPr/>
-              <a:t>8</a:t>
-            </a:fld>
-            <a:endParaRPr lang="en-US">
-              <a:solidFill>
-                <a:prstClr val="black">
-                  <a:tint val="75000"/>
-                </a:prstClr>
-              </a:solidFill>
-            </a:endParaRPr>
-          </a:p>
-        </p:txBody>
-      </p:sp>
-    </p:spTree>
-    <p:extLst>
-      <p:ext uri="{BB962C8B-B14F-4D97-AF65-F5344CB8AC3E}">
-        <p14:creationId xmlns:p14="http://schemas.microsoft.com/office/powerpoint/2010/main" val="4077509468"/>
-      </p:ext>
-    </p:extLst>
-  </p:cSld>
-  <p:clrMapOvr>
-    <a:masterClrMapping/>
-  </p:clrMapOvr>
-</p:sld>
-</file>
-
-<file path=ppt/slides/slide9.xml><?xml version="1.0" encoding="utf-8"?>
-<p:sld xmlns:a="http://schemas.openxmlformats.org/drawingml/2006/main" xmlns:r="http://schemas.openxmlformats.org/officeDocument/2006/relationships" xmlns:p="http://schemas.openxmlformats.org/presentationml/2006/main">
-  <p:cSld>
-    <p:spTree>
-      <p:nvGrpSpPr>
-        <p:cNvPr id="1" name=""/>
-        <p:cNvGrpSpPr/>
-        <p:nvPr/>
-      </p:nvGrpSpPr>
-      <p:grpSpPr>
-        <a:xfrm>
-          <a:off x="0" y="0"/>
-          <a:ext cx="0" cy="0"/>
-          <a:chOff x="0" y="0"/>
-          <a:chExt cx="0" cy="0"/>
-        </a:xfrm>
-      </p:grpSpPr>
-      <p:sp>
-        <p:nvSpPr>
-          <p:cNvPr id="2" name="Title 1"/>
-          <p:cNvSpPr>
-            <a:spLocks noGrp="1"/>
-          </p:cNvSpPr>
-          <p:nvPr>
-            <p:ph type="title"/>
-          </p:nvPr>
-        </p:nvSpPr>
-        <p:spPr/>
-        <p:txBody>
-          <a:bodyPr>
-            <a:normAutofit/>
-          </a:bodyPr>
-          <a:lstStyle/>
-          <a:p>
-            <a:r>
-              <a:rPr lang="en-US" dirty="0" smtClean="0"/>
-              <a:t>More Fun with Flink</a:t>
-            </a:r>
-            <a:endParaRPr lang="en-US" dirty="0"/>
-          </a:p>
-        </p:txBody>
-      </p:sp>
-      <p:sp>
-        <p:nvSpPr>
-          <p:cNvPr id="3" name="Content Placeholder 2"/>
-          <p:cNvSpPr>
-            <a:spLocks noGrp="1"/>
-          </p:cNvSpPr>
-          <p:nvPr>
-            <p:ph idx="1"/>
-          </p:nvPr>
-        </p:nvSpPr>
-        <p:spPr/>
-        <p:txBody>
-          <a:bodyPr>
-            <a:normAutofit fontScale="92500" lnSpcReduction="20000"/>
-          </a:bodyPr>
-          <a:lstStyle/>
-          <a:p>
-            <a:r>
-              <a:rPr lang="en-US" dirty="0" smtClean="0"/>
-              <a:t>Continue with exercises</a:t>
-            </a:r>
-          </a:p>
-          <a:p>
-            <a:endParaRPr lang="en-US" dirty="0" smtClean="0"/>
-          </a:p>
-          <a:p>
-            <a:r>
-              <a:rPr lang="en-US" dirty="0" smtClean="0"/>
-              <a:t>Play around with </a:t>
-            </a:r>
-            <a:r>
-              <a:rPr lang="en-US" dirty="0" err="1" smtClean="0"/>
-              <a:t>Flink’s</a:t>
-            </a:r>
-            <a:r>
-              <a:rPr lang="en-US" dirty="0" smtClean="0"/>
-              <a:t> features!</a:t>
-            </a:r>
-            <a:endParaRPr lang="en-US" dirty="0"/>
-          </a:p>
-          <a:p>
-            <a:pPr lvl="1"/>
-            <a:r>
-              <a:rPr lang="en-US" dirty="0" smtClean="0"/>
-              <a:t>Try to use a POJO or </a:t>
-            </a:r>
-            <a:r>
-              <a:rPr lang="en-US" dirty="0" err="1" smtClean="0"/>
-              <a:t>CaseClass</a:t>
-            </a:r>
-            <a:endParaRPr lang="en-US" dirty="0" smtClean="0"/>
-          </a:p>
-          <a:p>
-            <a:pPr lvl="1"/>
-            <a:r>
-              <a:rPr lang="en-US" dirty="0" smtClean="0"/>
-              <a:t>Use a Combiner or </a:t>
-            </a:r>
-            <a:r>
-              <a:rPr lang="en-US" dirty="0" err="1" smtClean="0"/>
-              <a:t>ReduceFunction</a:t>
-            </a:r>
-            <a:endParaRPr lang="en-US" dirty="0" smtClean="0"/>
-          </a:p>
-          <a:p>
-            <a:pPr lvl="1"/>
-            <a:r>
-              <a:rPr lang="en-US" dirty="0" smtClean="0"/>
-              <a:t>Use a </a:t>
-            </a:r>
-            <a:r>
-              <a:rPr lang="en-US" dirty="0" err="1" smtClean="0"/>
-              <a:t>RichFunction</a:t>
-            </a:r>
-            <a:endParaRPr lang="en-US" dirty="0"/>
-          </a:p>
-          <a:p>
-            <a:pPr lvl="1"/>
-            <a:r>
-              <a:rPr lang="en-US" dirty="0" smtClean="0"/>
-              <a:t>Use a </a:t>
-            </a:r>
-            <a:r>
-              <a:rPr lang="en-US" dirty="0" err="1" smtClean="0"/>
-              <a:t>BroadcastSet</a:t>
-            </a:r>
-            <a:r>
-              <a:rPr lang="en-US" dirty="0" smtClean="0"/>
-              <a:t> </a:t>
-            </a:r>
-          </a:p>
-          <a:p>
-            <a:pPr lvl="1"/>
-            <a:r>
-              <a:rPr lang="en-US" dirty="0" smtClean="0"/>
-              <a:t>Use an Accumulators</a:t>
-            </a:r>
-          </a:p>
-          <a:p>
-            <a:pPr lvl="1"/>
-            <a:r>
-              <a:rPr lang="en-US" dirty="0" smtClean="0"/>
-              <a:t>…</a:t>
-            </a:r>
-          </a:p>
-          <a:p>
-            <a:pPr lvl="1"/>
-            <a:endParaRPr lang="en-US" dirty="0" smtClean="0"/>
-          </a:p>
-          <a:p>
-            <a:r>
-              <a:rPr lang="en-US" dirty="0" smtClean="0"/>
-              <a:t>Implement your own task</a:t>
-            </a:r>
-          </a:p>
-        </p:txBody>
-      </p:sp>
-      <p:sp>
-        <p:nvSpPr>
-          <p:cNvPr id="4" name="Slide Number Placeholder 3"/>
-          <p:cNvSpPr>
-            <a:spLocks noGrp="1"/>
-          </p:cNvSpPr>
-          <p:nvPr>
-            <p:ph type="sldNum" sz="quarter" idx="12"/>
-          </p:nvPr>
-        </p:nvSpPr>
-        <p:spPr/>
-        <p:txBody>
-          <a:bodyPr/>
-          <a:lstStyle/>
-          <a:p>
-            <a:fld id="{B07C5D84-2227-C144-B485-A8CA33CE4230}" type="slidenum">
-              <a:rPr lang="en-US" smtClean="0">
-                <a:solidFill>
-                  <a:prstClr val="black">
-                    <a:tint val="75000"/>
-                  </a:prstClr>
-                </a:solidFill>
-              </a:rPr>
-              <a:pPr/>
-              <a:t>9</a:t>
-            </a:fld>
-            <a:endParaRPr lang="en-US">
-              <a:solidFill>
-                <a:prstClr val="black">
-                  <a:tint val="75000"/>
-                </a:prstClr>
-              </a:solidFill>
-            </a:endParaRPr>
-          </a:p>
-        </p:txBody>
-      </p:sp>
-    </p:spTree>
-    <p:extLst>
-      <p:ext uri="{BB962C8B-B14F-4D97-AF65-F5344CB8AC3E}">
-        <p14:creationId xmlns:p14="http://schemas.microsoft.com/office/powerpoint/2010/main" val="3777757919"/>
       </p:ext>
     </p:extLst>
   </p:cSld>
